--- a/PPTs/template.pptx
+++ b/PPTs/template.pptx
@@ -299,7 +299,7 @@
             <a:fld id="{C8A432C8-69A7-458B-9684-2BFA64B31948}" type="datetime2">
               <a:rPr lang="en-US" smtClean="0"/>
               <a:pPr/>
-              <a:t>Tuesday, May 02, 2017</a:t>
+              <a:t>Monday, May 29, 2017</a:t>
             </a:fld>
             <a:endParaRPr lang="en-US"/>
           </a:p>
@@ -502,7 +502,7 @@
             <a:fld id="{8CC057FC-95B6-4D89-AFDA-ABA33EE921E5}" type="datetime2">
               <a:rPr lang="en-US" smtClean="0"/>
               <a:pPr/>
-              <a:t>Tuesday, May 02, 2017</a:t>
+              <a:t>Monday, May 29, 2017</a:t>
             </a:fld>
             <a:endParaRPr lang="en-US"/>
           </a:p>
@@ -680,7 +680,7 @@
             <a:fld id="{EC4549AC-EB31-477F-92A9-B1988E232878}" type="datetime2">
               <a:rPr lang="en-US" smtClean="0"/>
               <a:pPr/>
-              <a:t>Tuesday, May 02, 2017</a:t>
+              <a:t>Monday, May 29, 2017</a:t>
             </a:fld>
             <a:endParaRPr lang="en-US"/>
           </a:p>
@@ -848,7 +848,7 @@
             <a:fld id="{6396A3A3-94A6-4E5B-AF39-173ACA3E61CC}" type="datetime2">
               <a:rPr lang="en-US" smtClean="0"/>
               <a:pPr/>
-              <a:t>Tuesday, May 02, 2017</a:t>
+              <a:t>Monday, May 29, 2017</a:t>
             </a:fld>
             <a:endParaRPr lang="en-US"/>
           </a:p>
@@ -1099,7 +1099,7 @@
             <a:fld id="{9933D019-A32C-4EAD-B8E6-DBDA699692FD}" type="datetime2">
               <a:rPr lang="en-US" smtClean="0"/>
               <a:pPr/>
-              <a:t>Tuesday, May 02, 2017</a:t>
+              <a:t>Monday, May 29, 2017</a:t>
             </a:fld>
             <a:endParaRPr lang="en-US"/>
           </a:p>
@@ -1420,7 +1420,7 @@
             <a:fld id="{CCEBA98F-560C-4997-81C4-81D4D9187EAB}" type="datetime2">
               <a:rPr lang="en-US" smtClean="0"/>
               <a:pPr/>
-              <a:t>Tuesday, May 02, 2017</a:t>
+              <a:t>Monday, May 29, 2017</a:t>
             </a:fld>
             <a:endParaRPr lang="en-US"/>
           </a:p>
@@ -1889,7 +1889,7 @@
             <a:fld id="{150972B2-CA5C-437D-87D0-8081271A9E4B}" type="datetime2">
               <a:rPr lang="en-US" smtClean="0"/>
               <a:pPr/>
-              <a:t>Tuesday, May 02, 2017</a:t>
+              <a:t>Monday, May 29, 2017</a:t>
             </a:fld>
             <a:endParaRPr lang="en-US"/>
           </a:p>
@@ -2040,7 +2040,7 @@
             <a:fld id="{79CD4847-11EF-4466-A8AD-85CDB7B49118}" type="datetime2">
               <a:rPr lang="en-US" smtClean="0"/>
               <a:pPr/>
-              <a:t>Tuesday, May 02, 2017</a:t>
+              <a:t>Monday, May 29, 2017</a:t>
             </a:fld>
             <a:endParaRPr lang="en-US"/>
           </a:p>
@@ -2133,7 +2133,7 @@
             <a:fld id="{F168457A-3AB9-4880-8A0C-9F8524491207}" type="datetime2">
               <a:rPr lang="en-US" smtClean="0"/>
               <a:pPr/>
-              <a:t>Tuesday, May 02, 2017</a:t>
+              <a:t>Monday, May 29, 2017</a:t>
             </a:fld>
             <a:endParaRPr lang="en-US"/>
           </a:p>
@@ -2410,7 +2410,7 @@
             <a:fld id="{3FE976D3-5B7F-4300-ABED-C91F1B2AE209}" type="datetime2">
               <a:rPr lang="en-US" smtClean="0"/>
               <a:pPr/>
-              <a:t>Tuesday, May 02, 2017</a:t>
+              <a:t>Monday, May 29, 2017</a:t>
             </a:fld>
             <a:endParaRPr lang="en-US"/>
           </a:p>
@@ -2718,7 +2718,7 @@
             <a:fld id="{EBDC1E59-17DD-41CE-97CA-624A472382D4}" type="datetime2">
               <a:rPr lang="en-US" smtClean="0"/>
               <a:pPr/>
-              <a:t>Tuesday, May 02, 2017</a:t>
+              <a:t>Monday, May 29, 2017</a:t>
             </a:fld>
             <a:endParaRPr lang="en-US"/>
           </a:p>
@@ -3019,7 +3019,7 @@
             <a:fld id="{A80CB818-7379-467D-8E76-EF9D9074A26C}" type="datetime2">
               <a:rPr lang="en-US" smtClean="0"/>
               <a:pPr/>
-              <a:t>Tuesday, May 02, 2017</a:t>
+              <a:t>Monday, May 29, 2017</a:t>
             </a:fld>
             <a:endParaRPr lang="en-US" dirty="0"/>
           </a:p>
@@ -3429,12 +3429,29 @@
             <p:ph type="ctrTitle"/>
           </p:nvPr>
         </p:nvSpPr>
-        <p:spPr/>
-        <p:txBody>
-          <a:bodyPr/>
-          <a:lstStyle/>
-          <a:p>
-            <a:endParaRPr lang="en-US"/>
+        <p:spPr>
+          <a:xfrm>
+            <a:off x="685799" y="1028700"/>
+            <a:ext cx="8458201" cy="1445419"/>
+          </a:xfrm>
+        </p:spPr>
+        <p:txBody>
+          <a:bodyPr/>
+          <a:lstStyle/>
+          <a:p>
+            <a:r>
+              <a:rPr lang="en-US" dirty="0" smtClean="0"/>
+              <a:t>Conditional </a:t>
+            </a:r>
+            <a:r>
+              <a:rPr lang="en-US" dirty="0" smtClean="0"/>
+              <a:t>and </a:t>
+            </a:r>
+            <a:r>
+              <a:rPr lang="en-US" dirty="0" smtClean="0"/>
+              <a:t>loop structure</a:t>
+            </a:r>
+            <a:endParaRPr lang="en-US" dirty="0"/>
           </a:p>
         </p:txBody>
       </p:sp>
@@ -3460,7 +3477,7 @@
     </p:spTree>
     <p:extLst>
       <p:ext uri="{BB962C8B-B14F-4D97-AF65-F5344CB8AC3E}">
-        <p14:creationId xmlns:p14="http://schemas.microsoft.com/office/powerpoint/2010/main" xmlns="" val="182139768"/>
+        <p14:creationId xmlns="" xmlns:p14="http://schemas.microsoft.com/office/powerpoint/2010/main" val="182139768"/>
       </p:ext>
     </p:extLst>
   </p:cSld>
@@ -3502,6 +3519,10 @@
           <a:bodyPr/>
           <a:lstStyle/>
           <a:p>
+            <a:r>
+              <a:rPr lang="pt-BR" dirty="0" smtClean="0"/>
+              <a:t>Learning objectives</a:t>
+            </a:r>
             <a:endParaRPr lang="en-US" dirty="0"/>
           </a:p>
         </p:txBody>
@@ -3513,13 +3534,115 @@
             <a:spLocks noGrp="1"/>
           </p:cNvSpPr>
           <p:nvPr>
-            <p:ph idx="1"/>
-          </p:nvPr>
-        </p:nvSpPr>
-        <p:spPr/>
-        <p:txBody>
-          <a:bodyPr/>
-          <a:lstStyle/>
+            <p:ph sz="half" idx="1"/>
+          </p:nvPr>
+        </p:nvSpPr>
+        <p:spPr/>
+        <p:txBody>
+          <a:bodyPr>
+            <a:normAutofit fontScale="92500" lnSpcReduction="20000"/>
+          </a:bodyPr>
+          <a:lstStyle/>
+          <a:p>
+            <a:r>
+              <a:rPr lang="pt-BR" dirty="0" smtClean="0"/>
+              <a:t>Use conditional statements</a:t>
+            </a:r>
+          </a:p>
+          <a:p>
+            <a:pPr lvl="1"/>
+            <a:r>
+              <a:rPr lang="pt-BR" dirty="0" smtClean="0"/>
+              <a:t>if() ... else() statements</a:t>
+            </a:r>
+          </a:p>
+          <a:p>
+            <a:pPr lvl="1"/>
+            <a:r>
+              <a:rPr lang="pt-BR" dirty="0" smtClean="0"/>
+              <a:t>Nested if()</a:t>
+            </a:r>
+          </a:p>
+          <a:p>
+            <a:pPr lvl="1"/>
+            <a:r>
+              <a:rPr lang="pt-BR" dirty="0" smtClean="0"/>
+              <a:t>unless()</a:t>
+            </a:r>
+          </a:p>
+          <a:p>
+            <a:r>
+              <a:rPr lang="pt-BR" dirty="0" smtClean="0"/>
+              <a:t>Iternative flow of control</a:t>
+            </a:r>
+          </a:p>
+          <a:p>
+            <a:pPr lvl="1"/>
+            <a:r>
+              <a:rPr lang="pt-BR" dirty="0" smtClean="0"/>
+              <a:t>goto statements</a:t>
+            </a:r>
+          </a:p>
+          <a:p>
+            <a:pPr lvl="1"/>
+            <a:r>
+              <a:rPr lang="pt-BR" dirty="0" smtClean="0"/>
+              <a:t>for(), foreach()</a:t>
+            </a:r>
+          </a:p>
+          <a:p>
+            <a:pPr lvl="1"/>
+            <a:r>
+              <a:rPr lang="pt-BR" dirty="0" smtClean="0"/>
+              <a:t>while()</a:t>
+            </a:r>
+          </a:p>
+          <a:p>
+            <a:pPr lvl="1"/>
+            <a:r>
+              <a:rPr lang="pt-BR" dirty="0" smtClean="0"/>
+              <a:t>until()</a:t>
+            </a:r>
+            <a:endParaRPr lang="en-US" dirty="0"/>
+          </a:p>
+        </p:txBody>
+      </p:sp>
+      <p:sp>
+        <p:nvSpPr>
+          <p:cNvPr id="4" name="Content Placeholder 3"/>
+          <p:cNvSpPr>
+            <a:spLocks noGrp="1"/>
+          </p:cNvSpPr>
+          <p:nvPr>
+            <p:ph sz="half" idx="2"/>
+          </p:nvPr>
+        </p:nvSpPr>
+        <p:spPr/>
+        <p:txBody>
+          <a:bodyPr>
+            <a:normAutofit fontScale="92500" lnSpcReduction="20000"/>
+          </a:bodyPr>
+          <a:lstStyle/>
+          <a:p>
+            <a:r>
+              <a:rPr lang="pt-BR" dirty="0" smtClean="0"/>
+              <a:t>interrupt a loop</a:t>
+            </a:r>
+          </a:p>
+          <a:p>
+            <a:pPr lvl="1"/>
+            <a:r>
+              <a:rPr lang="pt-BR" dirty="0" smtClean="0"/>
+              <a:t>last()</a:t>
+            </a:r>
+          </a:p>
+          <a:p>
+            <a:pPr lvl="1"/>
+            <a:r>
+              <a:rPr lang="pt-BR" dirty="0" smtClean="0"/>
+              <a:t>next()</a:t>
+            </a:r>
+          </a:p>
           <a:p>
             <a:endParaRPr lang="en-US" dirty="0"/>
           </a:p>
